--- a/Prediction with Black-Scholes Model.pptx
+++ b/Prediction with Black-Scholes Model.pptx
@@ -215,7 +215,7 @@
           <a:p>
             <a:fld id="{34CC9E53-5B9A-4822-A798-0F19306E06A2}" type="datetimeFigureOut">
               <a:rPr lang="en-US" smtClean="0"/>
-              <a:t>5/7/2018</a:t>
+              <a:t>5/8/2018</a:t>
             </a:fld>
             <a:endParaRPr lang="en-US"/>
           </a:p>
@@ -704,7 +704,7 @@
           <a:p>
             <a:fld id="{01522AEB-6088-4F73-BC3B-E79F9A8ADA4B}" type="datetimeFigureOut">
               <a:rPr lang="en-US" smtClean="0"/>
-              <a:t>5/7/2018</a:t>
+              <a:t>5/8/2018</a:t>
             </a:fld>
             <a:endParaRPr lang="en-US"/>
           </a:p>
@@ -1573,7 +1573,7 @@
           <a:p>
             <a:fld id="{01522AEB-6088-4F73-BC3B-E79F9A8ADA4B}" type="datetimeFigureOut">
               <a:rPr lang="en-US" smtClean="0"/>
-              <a:t>5/7/2018</a:t>
+              <a:t>5/8/2018</a:t>
             </a:fld>
             <a:endParaRPr lang="en-US"/>
           </a:p>
@@ -1748,7 +1748,7 @@
           <a:p>
             <a:fld id="{01522AEB-6088-4F73-BC3B-E79F9A8ADA4B}" type="datetimeFigureOut">
               <a:rPr lang="en-US" smtClean="0"/>
-              <a:t>5/7/2018</a:t>
+              <a:t>5/8/2018</a:t>
             </a:fld>
             <a:endParaRPr lang="en-US"/>
           </a:p>
@@ -1918,7 +1918,7 @@
           <a:p>
             <a:fld id="{01522AEB-6088-4F73-BC3B-E79F9A8ADA4B}" type="datetimeFigureOut">
               <a:rPr lang="en-US" smtClean="0"/>
-              <a:t>5/7/2018</a:t>
+              <a:t>5/8/2018</a:t>
             </a:fld>
             <a:endParaRPr lang="en-US"/>
           </a:p>
@@ -2128,7 +2128,7 @@
           <a:p>
             <a:fld id="{01522AEB-6088-4F73-BC3B-E79F9A8ADA4B}" type="datetimeFigureOut">
               <a:rPr lang="en-US" smtClean="0"/>
-              <a:t>5/7/2018</a:t>
+              <a:t>5/8/2018</a:t>
             </a:fld>
             <a:endParaRPr lang="en-US"/>
           </a:p>
@@ -2942,7 +2942,7 @@
           <a:p>
             <a:fld id="{01522AEB-6088-4F73-BC3B-E79F9A8ADA4B}" type="datetimeFigureOut">
               <a:rPr lang="en-US" smtClean="0"/>
-              <a:t>5/7/2018</a:t>
+              <a:t>5/8/2018</a:t>
             </a:fld>
             <a:endParaRPr lang="en-US"/>
           </a:p>
@@ -3178,7 +3178,7 @@
           <a:p>
             <a:fld id="{01522AEB-6088-4F73-BC3B-E79F9A8ADA4B}" type="datetimeFigureOut">
               <a:rPr lang="en-US" smtClean="0"/>
-              <a:t>5/7/2018</a:t>
+              <a:t>5/8/2018</a:t>
             </a:fld>
             <a:endParaRPr lang="en-US"/>
           </a:p>
@@ -3501,7 +3501,7 @@
           <a:p>
             <a:fld id="{01522AEB-6088-4F73-BC3B-E79F9A8ADA4B}" type="datetimeFigureOut">
               <a:rPr lang="en-US" smtClean="0"/>
-              <a:t>5/7/2018</a:t>
+              <a:t>5/8/2018</a:t>
             </a:fld>
             <a:endParaRPr lang="en-US"/>
           </a:p>
@@ -3591,7 +3591,7 @@
           <a:p>
             <a:fld id="{01522AEB-6088-4F73-BC3B-E79F9A8ADA4B}" type="datetimeFigureOut">
               <a:rPr lang="en-US" smtClean="0"/>
-              <a:t>5/7/2018</a:t>
+              <a:t>5/8/2018</a:t>
             </a:fld>
             <a:endParaRPr lang="en-US"/>
           </a:p>
@@ -4108,7 +4108,7 @@
           <a:p>
             <a:fld id="{01522AEB-6088-4F73-BC3B-E79F9A8ADA4B}" type="datetimeFigureOut">
               <a:rPr lang="en-US" smtClean="0"/>
-              <a:t>5/7/2018</a:t>
+              <a:t>5/8/2018</a:t>
             </a:fld>
             <a:endParaRPr lang="en-US"/>
           </a:p>
@@ -4619,7 +4619,7 @@
           <a:p>
             <a:fld id="{01522AEB-6088-4F73-BC3B-E79F9A8ADA4B}" type="datetimeFigureOut">
               <a:rPr lang="en-US" smtClean="0"/>
-              <a:t>5/7/2018</a:t>
+              <a:t>5/8/2018</a:t>
             </a:fld>
             <a:endParaRPr lang="en-US"/>
           </a:p>
@@ -4864,7 +4864,7 @@
           <a:p>
             <a:fld id="{01522AEB-6088-4F73-BC3B-E79F9A8ADA4B}" type="datetimeFigureOut">
               <a:rPr lang="en-US" smtClean="0"/>
-              <a:t>5/7/2018</a:t>
+              <a:t>5/8/2018</a:t>
             </a:fld>
             <a:endParaRPr lang="en-US"/>
           </a:p>
@@ -5737,14 +5737,7 @@
                             <m:nor/>
                           </m:rPr>
                           <a:rPr lang="en-US" dirty="0"/>
-                          <m:t>yitru</m:t>
-                        </m:r>
-                        <m:r>
-                          <m:rPr>
-                            <m:nor/>
-                          </m:rPr>
-                          <a:rPr lang="en-US" baseline="30000" dirty="0"/>
-                          <m:t>e</m:t>
+                          <m:t>yitrue</m:t>
                         </m:r>
                         <m:r>
                           <m:rPr>
@@ -5832,14 +5825,7 @@
                             <m:nor/>
                           </m:rPr>
                           <a:rPr lang="en-US" dirty="0"/>
-                          <m:t>yitru</m:t>
-                        </m:r>
-                        <m:r>
-                          <m:rPr>
-                            <m:nor/>
-                          </m:rPr>
-                          <a:rPr lang="en-US" baseline="30000" dirty="0"/>
-                          <m:t>e</m:t>
+                          <m:t>yitrue</m:t>
                         </m:r>
                         <m:r>
                           <m:rPr>
@@ -10718,7 +10704,43 @@
           <a:bodyPr/>
           <a:lstStyle/>
           <a:p>
-            <a:endParaRPr lang="en-US"/>
+            <a:r>
+              <a:rPr lang="en-US" dirty="0" smtClean="0"/>
+              <a:t>Limited Features</a:t>
+            </a:r>
+          </a:p>
+          <a:p>
+            <a:r>
+              <a:rPr lang="en-US" dirty="0" smtClean="0"/>
+              <a:t>Last 10 years of data</a:t>
+            </a:r>
+          </a:p>
+          <a:p>
+            <a:endParaRPr lang="en-US" dirty="0"/>
+          </a:p>
+          <a:p>
+            <a:r>
+              <a:rPr lang="en-US" dirty="0" smtClean="0"/>
+              <a:t>Plan for future:</a:t>
+            </a:r>
+          </a:p>
+          <a:p>
+            <a:pPr lvl="1"/>
+            <a:r>
+              <a:rPr lang="en-US" dirty="0" smtClean="0"/>
+              <a:t>Learn more about the market to construct better features</a:t>
+            </a:r>
+          </a:p>
+          <a:p>
+            <a:pPr lvl="1"/>
+            <a:r>
+              <a:rPr lang="en-US" dirty="0" smtClean="0"/>
+              <a:t>Get data from greater time period or lesser </a:t>
+            </a:r>
+            <a:r>
+              <a:rPr lang="en-US" smtClean="0"/>
+              <a:t>time period</a:t>
+            </a:r>
           </a:p>
         </p:txBody>
       </p:sp>
@@ -10821,7 +10843,6 @@
               <a:rPr lang="en-US" dirty="0" smtClean="0"/>
               <a:t>Analyze the stock market index to calculate put/call options to determine if investing in a certain stock will be profitable.</a:t>
             </a:r>
-            <a:endParaRPr lang="en-US" dirty="0" smtClean="0"/>
           </a:p>
         </p:txBody>
       </p:sp>
